--- a/figs/fig1.pptx
+++ b/figs/fig1.pptx
@@ -257,7 +257,7 @@
       </p15:sldGuideLst>
     </p:ext>
     <p:ext uri="http://customooxmlschemas.google.com/">
-      <go:slidesCustomData xmlns:go="http://customooxmlschemas.google.com/" xmlns:ahyp="http://schemas.microsoft.com/office/drawing/2018/hyperlinkcolor" xmlns:p15="http://schemas.microsoft.com/office/powerpoint/2012/main" xmlns:p14="http://schemas.microsoft.com/office/powerpoint/2010/main" xmlns:com="http://schemas.openxmlformats.org/drawingml/2006/compatibility" xmlns:pvml="urn:schemas-microsoft-com:office:powerpoint" xmlns:v="urn:schemas-microsoft-com:vml" xmlns:o="urn:schemas-microsoft-com:office:office" xmlns:dgm="http://schemas.openxmlformats.org/drawingml/2006/diagram" xmlns:c="http://schemas.openxmlformats.org/drawingml/2006/chart" xmlns:mv="urn:schemas-microsoft-com:mac:vml" xmlns:mc="http://schemas.openxmlformats.org/markup-compatibility/2006" xmlns="" r:id="rId10" roundtripDataSignature="AMtx7mhiytGPk8UOxiAGs9KaAxakDbg4SQ=="/>
+      <go:slidesCustomData xmlns="" xmlns:mc="http://schemas.openxmlformats.org/markup-compatibility/2006" xmlns:mv="urn:schemas-microsoft-com:mac:vml" xmlns:c="http://schemas.openxmlformats.org/drawingml/2006/chart" xmlns:dgm="http://schemas.openxmlformats.org/drawingml/2006/diagram" xmlns:o="urn:schemas-microsoft-com:office:office" xmlns:v="urn:schemas-microsoft-com:vml" xmlns:pvml="urn:schemas-microsoft-com:office:powerpoint" xmlns:com="http://schemas.openxmlformats.org/drawingml/2006/compatibility" xmlns:p14="http://schemas.microsoft.com/office/powerpoint/2010/main" xmlns:p15="http://schemas.microsoft.com/office/powerpoint/2012/main" xmlns:ahyp="http://schemas.microsoft.com/office/drawing/2018/hyperlinkcolor" xmlns:go="http://customooxmlschemas.google.com/" r:id="rId10" roundtripDataSignature="AMtx7mhiytGPk8UOxiAGs9KaAxakDbg4SQ=="/>
     </p:ext>
   </p:extLst>
 </p:presentation>
@@ -13382,7 +13382,7 @@
           </p:nvSpPr>
           <p:spPr>
             <a:xfrm>
-              <a:off x="24383120" y="17979740"/>
+              <a:off x="24383120" y="18019091"/>
               <a:ext cx="1149736" cy="357624"/>
             </a:xfrm>
             <a:prstGeom prst="rect">
@@ -13425,7 +13425,7 @@
           </p:nvSpPr>
           <p:spPr>
             <a:xfrm>
-              <a:off x="30260199" y="17975120"/>
+              <a:off x="30260199" y="18014472"/>
               <a:ext cx="1149737" cy="357624"/>
             </a:xfrm>
             <a:prstGeom prst="rect">

--- a/figs/fig1.pptx
+++ b/figs/fig1.pptx
@@ -257,7 +257,7 @@
       </p15:sldGuideLst>
     </p:ext>
     <p:ext uri="http://customooxmlschemas.google.com/">
-      <go:slidesCustomData xmlns="" xmlns:mc="http://schemas.openxmlformats.org/markup-compatibility/2006" xmlns:mv="urn:schemas-microsoft-com:mac:vml" xmlns:c="http://schemas.openxmlformats.org/drawingml/2006/chart" xmlns:dgm="http://schemas.openxmlformats.org/drawingml/2006/diagram" xmlns:o="urn:schemas-microsoft-com:office:office" xmlns:v="urn:schemas-microsoft-com:vml" xmlns:pvml="urn:schemas-microsoft-com:office:powerpoint" xmlns:com="http://schemas.openxmlformats.org/drawingml/2006/compatibility" xmlns:p14="http://schemas.microsoft.com/office/powerpoint/2010/main" xmlns:p15="http://schemas.microsoft.com/office/powerpoint/2012/main" xmlns:ahyp="http://schemas.microsoft.com/office/drawing/2018/hyperlinkcolor" xmlns:go="http://customooxmlschemas.google.com/" r:id="rId10" roundtripDataSignature="AMtx7mhiytGPk8UOxiAGs9KaAxakDbg4SQ=="/>
+      <go:slidesCustomData xmlns:go="http://customooxmlschemas.google.com/" xmlns:ahyp="http://schemas.microsoft.com/office/drawing/2018/hyperlinkcolor" xmlns:p15="http://schemas.microsoft.com/office/powerpoint/2012/main" xmlns:p14="http://schemas.microsoft.com/office/powerpoint/2010/main" xmlns:com="http://schemas.openxmlformats.org/drawingml/2006/compatibility" xmlns:pvml="urn:schemas-microsoft-com:office:powerpoint" xmlns:v="urn:schemas-microsoft-com:vml" xmlns:o="urn:schemas-microsoft-com:office:office" xmlns:dgm="http://schemas.openxmlformats.org/drawingml/2006/diagram" xmlns:c="http://schemas.openxmlformats.org/drawingml/2006/chart" xmlns:mv="urn:schemas-microsoft-com:mac:vml" xmlns:mc="http://schemas.openxmlformats.org/markup-compatibility/2006" xmlns="" r:id="rId10" roundtripDataSignature="AMtx7mhiytGPk8UOxiAGs9KaAxakDbg4SQ=="/>
     </p:ext>
   </p:extLst>
 </p:presentation>
